--- a/slide_diagram.pptx
+++ b/slide_diagram.pptx
@@ -3539,7 +3539,7 @@
         <p:spPr>
           <a:xfrm>
             <a:off x="2628391" y="1397578"/>
-            <a:ext cx="3993401" cy="369332"/>
+            <a:ext cx="3942105" cy="369332"/>
           </a:xfrm>
           <a:prstGeom prst="rect">
             <a:avLst/>
@@ -3554,7 +3554,7 @@
           <a:p>
             <a:r>
               <a:rPr lang="en-US" dirty="0" smtClean="0"/>
-              <a:t>6 x going up, 1 mm apart in all directions</a:t>
+              <a:t>6x going up, 1 mm apart in all directions</a:t>
             </a:r>
             <a:endParaRPr lang="en-US" dirty="0"/>
           </a:p>
@@ -3568,8 +3568,8 @@
         </p:nvSpPr>
         <p:spPr>
           <a:xfrm>
-            <a:off x="3173833" y="753180"/>
-            <a:ext cx="2175708" cy="369332"/>
+            <a:off x="2628391" y="937846"/>
+            <a:ext cx="5008139" cy="369332"/>
           </a:xfrm>
           <a:prstGeom prst="rect">
             <a:avLst/>
@@ -3599,8 +3599,32 @@
               <a:t>mN</a:t>
             </a:r>
             <a:r>
-              <a:rPr lang="en-US" smtClean="0"/>
-              <a:t>,  </a:t>
+              <a:rPr lang="en-US" dirty="0" smtClean="0"/>
+              <a:t>, 1961 </a:t>
+            </a:r>
+            <a:r>
+              <a:rPr lang="en-US" dirty="0" err="1" smtClean="0"/>
+              <a:t>mN</a:t>
+            </a:r>
+            <a:r>
+              <a:rPr lang="en-US" dirty="0" smtClean="0"/>
+              <a:t>, 2942 </a:t>
+            </a:r>
+            <a:r>
+              <a:rPr lang="en-US" dirty="0" err="1" smtClean="0"/>
+              <a:t>mN</a:t>
+            </a:r>
+            <a:r>
+              <a:rPr lang="en-US" dirty="0" smtClean="0"/>
+              <a:t>, 4903 </a:t>
+            </a:r>
+            <a:r>
+              <a:rPr lang="en-US" dirty="0" err="1" smtClean="0"/>
+              <a:t>mN</a:t>
+            </a:r>
+            <a:r>
+              <a:rPr lang="en-US" dirty="0" smtClean="0"/>
+              <a:t>   </a:t>
             </a:r>
             <a:endParaRPr lang="en-US" dirty="0"/>
           </a:p>

--- a/slide_diagram.pptx
+++ b/slide_diagram.pptx
@@ -288,7 +288,7 @@
           <a:p>
             <a:fld id="{F17D151B-D42B-C443-941C-6ACDB65C9A5A}" type="datetimeFigureOut">
               <a:rPr lang="en-US" smtClean="0"/>
-              <a:t>6/12/17</a:t>
+              <a:t>6/14/17</a:t>
             </a:fld>
             <a:endParaRPr lang="en-US"/>
           </a:p>
@@ -458,7 +458,7 @@
           <a:p>
             <a:fld id="{F17D151B-D42B-C443-941C-6ACDB65C9A5A}" type="datetimeFigureOut">
               <a:rPr lang="en-US" smtClean="0"/>
-              <a:t>6/12/17</a:t>
+              <a:t>6/14/17</a:t>
             </a:fld>
             <a:endParaRPr lang="en-US"/>
           </a:p>
@@ -638,7 +638,7 @@
           <a:p>
             <a:fld id="{F17D151B-D42B-C443-941C-6ACDB65C9A5A}" type="datetimeFigureOut">
               <a:rPr lang="en-US" smtClean="0"/>
-              <a:t>6/12/17</a:t>
+              <a:t>6/14/17</a:t>
             </a:fld>
             <a:endParaRPr lang="en-US"/>
           </a:p>
@@ -808,7 +808,7 @@
           <a:p>
             <a:fld id="{F17D151B-D42B-C443-941C-6ACDB65C9A5A}" type="datetimeFigureOut">
               <a:rPr lang="en-US" smtClean="0"/>
-              <a:t>6/12/17</a:t>
+              <a:t>6/14/17</a:t>
             </a:fld>
             <a:endParaRPr lang="en-US"/>
           </a:p>
@@ -1054,7 +1054,7 @@
           <a:p>
             <a:fld id="{F17D151B-D42B-C443-941C-6ACDB65C9A5A}" type="datetimeFigureOut">
               <a:rPr lang="en-US" smtClean="0"/>
-              <a:t>6/12/17</a:t>
+              <a:t>6/14/17</a:t>
             </a:fld>
             <a:endParaRPr lang="en-US"/>
           </a:p>
@@ -1342,7 +1342,7 @@
           <a:p>
             <a:fld id="{F17D151B-D42B-C443-941C-6ACDB65C9A5A}" type="datetimeFigureOut">
               <a:rPr lang="en-US" smtClean="0"/>
-              <a:t>6/12/17</a:t>
+              <a:t>6/14/17</a:t>
             </a:fld>
             <a:endParaRPr lang="en-US"/>
           </a:p>
@@ -1764,7 +1764,7 @@
           <a:p>
             <a:fld id="{F17D151B-D42B-C443-941C-6ACDB65C9A5A}" type="datetimeFigureOut">
               <a:rPr lang="en-US" smtClean="0"/>
-              <a:t>6/12/17</a:t>
+              <a:t>6/14/17</a:t>
             </a:fld>
             <a:endParaRPr lang="en-US"/>
           </a:p>
@@ -1882,7 +1882,7 @@
           <a:p>
             <a:fld id="{F17D151B-D42B-C443-941C-6ACDB65C9A5A}" type="datetimeFigureOut">
               <a:rPr lang="en-US" smtClean="0"/>
-              <a:t>6/12/17</a:t>
+              <a:t>6/14/17</a:t>
             </a:fld>
             <a:endParaRPr lang="en-US"/>
           </a:p>
@@ -1977,7 +1977,7 @@
           <a:p>
             <a:fld id="{F17D151B-D42B-C443-941C-6ACDB65C9A5A}" type="datetimeFigureOut">
               <a:rPr lang="en-US" smtClean="0"/>
-              <a:t>6/12/17</a:t>
+              <a:t>6/14/17</a:t>
             </a:fld>
             <a:endParaRPr lang="en-US"/>
           </a:p>
@@ -2254,7 +2254,7 @@
           <a:p>
             <a:fld id="{F17D151B-D42B-C443-941C-6ACDB65C9A5A}" type="datetimeFigureOut">
               <a:rPr lang="en-US" smtClean="0"/>
-              <a:t>6/12/17</a:t>
+              <a:t>6/14/17</a:t>
             </a:fld>
             <a:endParaRPr lang="en-US"/>
           </a:p>
@@ -2507,7 +2507,7 @@
           <a:p>
             <a:fld id="{F17D151B-D42B-C443-941C-6ACDB65C9A5A}" type="datetimeFigureOut">
               <a:rPr lang="en-US" smtClean="0"/>
-              <a:t>6/12/17</a:t>
+              <a:t>6/14/17</a:t>
             </a:fld>
             <a:endParaRPr lang="en-US"/>
           </a:p>
@@ -2720,7 +2720,7 @@
           <a:p>
             <a:fld id="{F17D151B-D42B-C443-941C-6ACDB65C9A5A}" type="datetimeFigureOut">
               <a:rPr lang="en-US" smtClean="0"/>
-              <a:t>6/12/17</a:t>
+              <a:t>6/14/17</a:t>
             </a:fld>
             <a:endParaRPr lang="en-US"/>
           </a:p>
@@ -3228,6 +3228,10 @@
           <a:lstStyle/>
           <a:p>
             <a:pPr algn="ctr"/>
+            <a:r>
+              <a:rPr lang="en-US" smtClean="0"/>
+              <a:t>s</a:t>
+            </a:r>
             <a:endParaRPr lang="en-US"/>
           </a:p>
         </p:txBody>
@@ -3539,7 +3543,7 @@
         <p:spPr>
           <a:xfrm>
             <a:off x="2628391" y="1397578"/>
-            <a:ext cx="3942105" cy="369332"/>
+            <a:ext cx="4057521" cy="369332"/>
           </a:xfrm>
           <a:prstGeom prst="rect">
             <a:avLst/>
@@ -3554,7 +3558,15 @@
           <a:p>
             <a:r>
               <a:rPr lang="en-US" dirty="0" smtClean="0"/>
-              <a:t>6x going up, 1 mm apart in all directions</a:t>
+              <a:t>10</a:t>
+            </a:r>
+            <a:r>
+              <a:rPr lang="en-US" dirty="0" smtClean="0"/>
+              <a:t>x </a:t>
+            </a:r>
+            <a:r>
+              <a:rPr lang="en-US" dirty="0" smtClean="0"/>
+              <a:t>going up, 1 mm apart in all directions</a:t>
             </a:r>
             <a:endParaRPr lang="en-US" dirty="0"/>
           </a:p>

--- a/slide_diagram.pptx
+++ b/slide_diagram.pptx
@@ -6,6 +6,7 @@
   </p:sldMasterIdLst>
   <p:sldIdLst>
     <p:sldId id="256" r:id="rId2"/>
+    <p:sldId id="257" r:id="rId3"/>
   </p:sldIdLst>
   <p:sldSz cx="9144000" cy="6858000" type="screen4x3"/>
   <p:notesSz cx="6858000" cy="9144000"/>
@@ -288,7 +289,7 @@
           <a:p>
             <a:fld id="{F17D151B-D42B-C443-941C-6ACDB65C9A5A}" type="datetimeFigureOut">
               <a:rPr lang="en-US" smtClean="0"/>
-              <a:t>6/14/17</a:t>
+              <a:t>7/5/17</a:t>
             </a:fld>
             <a:endParaRPr lang="en-US"/>
           </a:p>
@@ -458,7 +459,7 @@
           <a:p>
             <a:fld id="{F17D151B-D42B-C443-941C-6ACDB65C9A5A}" type="datetimeFigureOut">
               <a:rPr lang="en-US" smtClean="0"/>
-              <a:t>6/14/17</a:t>
+              <a:t>7/5/17</a:t>
             </a:fld>
             <a:endParaRPr lang="en-US"/>
           </a:p>
@@ -638,7 +639,7 @@
           <a:p>
             <a:fld id="{F17D151B-D42B-C443-941C-6ACDB65C9A5A}" type="datetimeFigureOut">
               <a:rPr lang="en-US" smtClean="0"/>
-              <a:t>6/14/17</a:t>
+              <a:t>7/5/17</a:t>
             </a:fld>
             <a:endParaRPr lang="en-US"/>
           </a:p>
@@ -808,7 +809,7 @@
           <a:p>
             <a:fld id="{F17D151B-D42B-C443-941C-6ACDB65C9A5A}" type="datetimeFigureOut">
               <a:rPr lang="en-US" smtClean="0"/>
-              <a:t>6/14/17</a:t>
+              <a:t>7/5/17</a:t>
             </a:fld>
             <a:endParaRPr lang="en-US"/>
           </a:p>
@@ -1054,7 +1055,7 @@
           <a:p>
             <a:fld id="{F17D151B-D42B-C443-941C-6ACDB65C9A5A}" type="datetimeFigureOut">
               <a:rPr lang="en-US" smtClean="0"/>
-              <a:t>6/14/17</a:t>
+              <a:t>7/5/17</a:t>
             </a:fld>
             <a:endParaRPr lang="en-US"/>
           </a:p>
@@ -1342,7 +1343,7 @@
           <a:p>
             <a:fld id="{F17D151B-D42B-C443-941C-6ACDB65C9A5A}" type="datetimeFigureOut">
               <a:rPr lang="en-US" smtClean="0"/>
-              <a:t>6/14/17</a:t>
+              <a:t>7/5/17</a:t>
             </a:fld>
             <a:endParaRPr lang="en-US"/>
           </a:p>
@@ -1764,7 +1765,7 @@
           <a:p>
             <a:fld id="{F17D151B-D42B-C443-941C-6ACDB65C9A5A}" type="datetimeFigureOut">
               <a:rPr lang="en-US" smtClean="0"/>
-              <a:t>6/14/17</a:t>
+              <a:t>7/5/17</a:t>
             </a:fld>
             <a:endParaRPr lang="en-US"/>
           </a:p>
@@ -1882,7 +1883,7 @@
           <a:p>
             <a:fld id="{F17D151B-D42B-C443-941C-6ACDB65C9A5A}" type="datetimeFigureOut">
               <a:rPr lang="en-US" smtClean="0"/>
-              <a:t>6/14/17</a:t>
+              <a:t>7/5/17</a:t>
             </a:fld>
             <a:endParaRPr lang="en-US"/>
           </a:p>
@@ -1977,7 +1978,7 @@
           <a:p>
             <a:fld id="{F17D151B-D42B-C443-941C-6ACDB65C9A5A}" type="datetimeFigureOut">
               <a:rPr lang="en-US" smtClean="0"/>
-              <a:t>6/14/17</a:t>
+              <a:t>7/5/17</a:t>
             </a:fld>
             <a:endParaRPr lang="en-US"/>
           </a:p>
@@ -2254,7 +2255,7 @@
           <a:p>
             <a:fld id="{F17D151B-D42B-C443-941C-6ACDB65C9A5A}" type="datetimeFigureOut">
               <a:rPr lang="en-US" smtClean="0"/>
-              <a:t>6/14/17</a:t>
+              <a:t>7/5/17</a:t>
             </a:fld>
             <a:endParaRPr lang="en-US"/>
           </a:p>
@@ -2507,7 +2508,7 @@
           <a:p>
             <a:fld id="{F17D151B-D42B-C443-941C-6ACDB65C9A5A}" type="datetimeFigureOut">
               <a:rPr lang="en-US" smtClean="0"/>
-              <a:t>6/14/17</a:t>
+              <a:t>7/5/17</a:t>
             </a:fld>
             <a:endParaRPr lang="en-US"/>
           </a:p>
@@ -2720,7 +2721,7 @@
           <a:p>
             <a:fld id="{F17D151B-D42B-C443-941C-6ACDB65C9A5A}" type="datetimeFigureOut">
               <a:rPr lang="en-US" smtClean="0"/>
-              <a:t>6/14/17</a:t>
+              <a:t>7/5/17</a:t>
             </a:fld>
             <a:endParaRPr lang="en-US"/>
           </a:p>
@@ -3558,15 +3559,7 @@
           <a:p>
             <a:r>
               <a:rPr lang="en-US" dirty="0" smtClean="0"/>
-              <a:t>10</a:t>
-            </a:r>
-            <a:r>
-              <a:rPr lang="en-US" dirty="0" smtClean="0"/>
-              <a:t>x </a:t>
-            </a:r>
-            <a:r>
-              <a:rPr lang="en-US" dirty="0" smtClean="0"/>
-              <a:t>going up, 1 mm apart in all directions</a:t>
+              <a:t>10x going up, 1 mm apart in all directions</a:t>
             </a:r>
             <a:endParaRPr lang="en-US" dirty="0"/>
           </a:p>
@@ -3646,6 +3639,680 @@
     <p:extLst>
       <p:ext uri="{BB962C8B-B14F-4D97-AF65-F5344CB8AC3E}">
         <p14:creationId xmlns:p14="http://schemas.microsoft.com/office/powerpoint/2010/main" val="1290763349"/>
+      </p:ext>
+    </p:extLst>
+  </p:cSld>
+  <p:clrMapOvr>
+    <a:masterClrMapping/>
+  </p:clrMapOvr>
+</p:sld>
+</file>
+
+<file path=ppt/slides/slide2.xml><?xml version="1.0" encoding="utf-8"?>
+<p:sld xmlns:a="http://schemas.openxmlformats.org/drawingml/2006/main" xmlns:r="http://schemas.openxmlformats.org/officeDocument/2006/relationships" xmlns:p="http://schemas.openxmlformats.org/presentationml/2006/main">
+  <p:cSld>
+    <p:spTree>
+      <p:nvGrpSpPr>
+        <p:cNvPr id="1" name=""/>
+        <p:cNvGrpSpPr/>
+        <p:nvPr/>
+      </p:nvGrpSpPr>
+      <p:grpSpPr>
+        <a:xfrm>
+          <a:off x="0" y="0"/>
+          <a:ext cx="0" cy="0"/>
+          <a:chOff x="0" y="0"/>
+          <a:chExt cx="0" cy="0"/>
+        </a:xfrm>
+      </p:grpSpPr>
+      <p:sp>
+        <p:nvSpPr>
+          <p:cNvPr id="4" name="Rectangle 3"/>
+          <p:cNvSpPr/>
+          <p:nvPr/>
+        </p:nvSpPr>
+        <p:spPr>
+          <a:xfrm>
+            <a:off x="1257842" y="1919871"/>
+            <a:ext cx="6747267" cy="4105570"/>
+          </a:xfrm>
+          <a:prstGeom prst="rect">
+            <a:avLst/>
+          </a:prstGeom>
+          <a:solidFill>
+            <a:schemeClr val="bg2"/>
+          </a:solidFill>
+          <a:ln>
+            <a:noFill/>
+          </a:ln>
+          <a:effectLst/>
+        </p:spPr>
+        <p:style>
+          <a:lnRef idx="1">
+            <a:schemeClr val="accent1"/>
+          </a:lnRef>
+          <a:fillRef idx="3">
+            <a:schemeClr val="accent1"/>
+          </a:fillRef>
+          <a:effectRef idx="2">
+            <a:schemeClr val="accent1"/>
+          </a:effectRef>
+          <a:fontRef idx="minor">
+            <a:schemeClr val="lt1"/>
+          </a:fontRef>
+        </p:style>
+        <p:txBody>
+          <a:bodyPr rtlCol="0" anchor="ctr"/>
+          <a:lstStyle/>
+          <a:p>
+            <a:pPr algn="ctr"/>
+            <a:endParaRPr lang="en-US" dirty="0"/>
+          </a:p>
+        </p:txBody>
+      </p:sp>
+      <p:sp>
+        <p:nvSpPr>
+          <p:cNvPr id="9" name="Rectangle 8"/>
+          <p:cNvSpPr/>
+          <p:nvPr/>
+        </p:nvSpPr>
+        <p:spPr>
+          <a:xfrm rot="18827711">
+            <a:off x="2929191" y="3846341"/>
+            <a:ext cx="455493" cy="430886"/>
+          </a:xfrm>
+          <a:prstGeom prst="rect">
+            <a:avLst/>
+          </a:prstGeom>
+        </p:spPr>
+        <p:style>
+          <a:lnRef idx="1">
+            <a:schemeClr val="accent1"/>
+          </a:lnRef>
+          <a:fillRef idx="3">
+            <a:schemeClr val="accent1"/>
+          </a:fillRef>
+          <a:effectRef idx="2">
+            <a:schemeClr val="accent1"/>
+          </a:effectRef>
+          <a:fontRef idx="minor">
+            <a:schemeClr val="lt1"/>
+          </a:fontRef>
+        </p:style>
+        <p:txBody>
+          <a:bodyPr rtlCol="0" anchor="ctr"/>
+          <a:lstStyle/>
+          <a:p>
+            <a:pPr algn="ctr"/>
+            <a:endParaRPr lang="en-US"/>
+          </a:p>
+        </p:txBody>
+      </p:sp>
+      <p:cxnSp>
+        <p:nvCxnSpPr>
+          <p:cNvPr id="11" name="Straight Arrow Connector 10"/>
+          <p:cNvCxnSpPr/>
+          <p:nvPr/>
+        </p:nvCxnSpPr>
+        <p:spPr>
+          <a:xfrm>
+            <a:off x="3470070" y="4104510"/>
+            <a:ext cx="722636" cy="0"/>
+          </a:xfrm>
+          <a:prstGeom prst="straightConnector1">
+            <a:avLst/>
+          </a:prstGeom>
+          <a:ln>
+            <a:headEnd type="arrow"/>
+            <a:tailEnd type="arrow"/>
+          </a:ln>
+        </p:spPr>
+        <p:style>
+          <a:lnRef idx="2">
+            <a:schemeClr val="accent1"/>
+          </a:lnRef>
+          <a:fillRef idx="0">
+            <a:schemeClr val="accent1"/>
+          </a:fillRef>
+          <a:effectRef idx="1">
+            <a:schemeClr val="accent1"/>
+          </a:effectRef>
+          <a:fontRef idx="minor">
+            <a:schemeClr val="tx1"/>
+          </a:fontRef>
+        </p:style>
+      </p:cxnSp>
+      <p:cxnSp>
+        <p:nvCxnSpPr>
+          <p:cNvPr id="15" name="Straight Arrow Connector 14"/>
+          <p:cNvCxnSpPr/>
+          <p:nvPr/>
+        </p:nvCxnSpPr>
+        <p:spPr>
+          <a:xfrm flipV="1">
+            <a:off x="3176563" y="3083992"/>
+            <a:ext cx="0" cy="605390"/>
+          </a:xfrm>
+          <a:prstGeom prst="straightConnector1">
+            <a:avLst/>
+          </a:prstGeom>
+          <a:ln>
+            <a:headEnd type="arrow"/>
+            <a:tailEnd type="arrow"/>
+          </a:ln>
+        </p:spPr>
+        <p:style>
+          <a:lnRef idx="2">
+            <a:schemeClr val="accent1"/>
+          </a:lnRef>
+          <a:fillRef idx="0">
+            <a:schemeClr val="accent1"/>
+          </a:fillRef>
+          <a:effectRef idx="1">
+            <a:schemeClr val="accent1"/>
+          </a:effectRef>
+          <a:fontRef idx="minor">
+            <a:schemeClr val="tx1"/>
+          </a:fontRef>
+        </p:style>
+      </p:cxnSp>
+      <p:sp>
+        <p:nvSpPr>
+          <p:cNvPr id="17" name="TextBox 16"/>
+          <p:cNvSpPr txBox="1"/>
+          <p:nvPr/>
+        </p:nvSpPr>
+        <p:spPr>
+          <a:xfrm>
+            <a:off x="3470070" y="4147628"/>
+            <a:ext cx="897902" cy="369332"/>
+          </a:xfrm>
+          <a:prstGeom prst="rect">
+            <a:avLst/>
+          </a:prstGeom>
+          <a:noFill/>
+        </p:spPr>
+        <p:txBody>
+          <a:bodyPr wrap="none" rtlCol="0">
+            <a:spAutoFit/>
+          </a:bodyPr>
+          <a:lstStyle/>
+          <a:p>
+            <a:r>
+              <a:rPr lang="en-US" dirty="0" smtClean="0"/>
+              <a:t>0.4 </a:t>
+            </a:r>
+            <a:r>
+              <a:rPr lang="en-US" dirty="0" smtClean="0"/>
+              <a:t>mm</a:t>
+            </a:r>
+            <a:endParaRPr lang="en-US" dirty="0"/>
+          </a:p>
+        </p:txBody>
+      </p:sp>
+      <p:sp>
+        <p:nvSpPr>
+          <p:cNvPr id="18" name="TextBox 17"/>
+          <p:cNvSpPr txBox="1"/>
+          <p:nvPr/>
+        </p:nvSpPr>
+        <p:spPr>
+          <a:xfrm>
+            <a:off x="6490319" y="2165418"/>
+            <a:ext cx="891928" cy="369332"/>
+          </a:xfrm>
+          <a:prstGeom prst="rect">
+            <a:avLst/>
+          </a:prstGeom>
+          <a:noFill/>
+        </p:spPr>
+        <p:txBody>
+          <a:bodyPr wrap="none" rtlCol="0">
+            <a:spAutoFit/>
+          </a:bodyPr>
+          <a:lstStyle/>
+          <a:p>
+            <a:r>
+              <a:rPr lang="en-US" dirty="0" smtClean="0"/>
+              <a:t>5 July A</a:t>
+            </a:r>
+            <a:endParaRPr lang="en-US" dirty="0"/>
+          </a:p>
+        </p:txBody>
+      </p:sp>
+      <p:sp>
+        <p:nvSpPr>
+          <p:cNvPr id="20" name="TextBox 19"/>
+          <p:cNvSpPr txBox="1"/>
+          <p:nvPr/>
+        </p:nvSpPr>
+        <p:spPr>
+          <a:xfrm>
+            <a:off x="2628391" y="937846"/>
+            <a:ext cx="3139050" cy="369332"/>
+          </a:xfrm>
+          <a:prstGeom prst="rect">
+            <a:avLst/>
+          </a:prstGeom>
+          <a:noFill/>
+        </p:spPr>
+        <p:txBody>
+          <a:bodyPr wrap="none" rtlCol="0">
+            <a:spAutoFit/>
+          </a:bodyPr>
+          <a:lstStyle/>
+          <a:p>
+            <a:r>
+              <a:rPr lang="en-US" dirty="0" smtClean="0"/>
+              <a:t>245.2 </a:t>
+            </a:r>
+            <a:r>
+              <a:rPr lang="en-US" dirty="0" err="1" smtClean="0"/>
+              <a:t>mN</a:t>
+            </a:r>
+            <a:r>
+              <a:rPr lang="en-US" dirty="0" smtClean="0"/>
+              <a:t>, 490.3 </a:t>
+            </a:r>
+            <a:r>
+              <a:rPr lang="en-US" dirty="0" err="1" smtClean="0"/>
+              <a:t>mN</a:t>
+            </a:r>
+            <a:r>
+              <a:rPr lang="en-US" dirty="0" smtClean="0"/>
+              <a:t>, 2942 </a:t>
+            </a:r>
+            <a:r>
+              <a:rPr lang="en-US" dirty="0" err="1" smtClean="0"/>
+              <a:t>mN</a:t>
+            </a:r>
+            <a:endParaRPr lang="en-US" dirty="0"/>
+          </a:p>
+        </p:txBody>
+      </p:sp>
+      <p:sp>
+        <p:nvSpPr>
+          <p:cNvPr id="2" name="Rectangle 1"/>
+          <p:cNvSpPr/>
+          <p:nvPr/>
+        </p:nvSpPr>
+        <p:spPr>
+          <a:xfrm rot="18957795" flipH="1" flipV="1">
+            <a:off x="4262060" y="4023738"/>
+            <a:ext cx="259840" cy="249229"/>
+          </a:xfrm>
+          <a:prstGeom prst="rect">
+            <a:avLst/>
+          </a:prstGeom>
+        </p:spPr>
+        <p:style>
+          <a:lnRef idx="1">
+            <a:schemeClr val="accent1"/>
+          </a:lnRef>
+          <a:fillRef idx="3">
+            <a:schemeClr val="accent1"/>
+          </a:fillRef>
+          <a:effectRef idx="2">
+            <a:schemeClr val="accent1"/>
+          </a:effectRef>
+          <a:fontRef idx="minor">
+            <a:schemeClr val="lt1"/>
+          </a:fontRef>
+        </p:style>
+        <p:txBody>
+          <a:bodyPr rtlCol="0" anchor="ctr"/>
+          <a:lstStyle/>
+          <a:p>
+            <a:pPr algn="ctr"/>
+            <a:endParaRPr lang="en-US"/>
+          </a:p>
+        </p:txBody>
+      </p:sp>
+      <p:cxnSp>
+        <p:nvCxnSpPr>
+          <p:cNvPr id="24" name="Straight Arrow Connector 23"/>
+          <p:cNvCxnSpPr/>
+          <p:nvPr/>
+        </p:nvCxnSpPr>
+        <p:spPr>
+          <a:xfrm>
+            <a:off x="2121171" y="4104510"/>
+            <a:ext cx="722636" cy="0"/>
+          </a:xfrm>
+          <a:prstGeom prst="straightConnector1">
+            <a:avLst/>
+          </a:prstGeom>
+          <a:ln>
+            <a:headEnd type="arrow"/>
+            <a:tailEnd type="arrow"/>
+          </a:ln>
+        </p:spPr>
+        <p:style>
+          <a:lnRef idx="2">
+            <a:schemeClr val="accent1"/>
+          </a:lnRef>
+          <a:fillRef idx="0">
+            <a:schemeClr val="accent1"/>
+          </a:fillRef>
+          <a:effectRef idx="1">
+            <a:schemeClr val="accent1"/>
+          </a:effectRef>
+          <a:fontRef idx="minor">
+            <a:schemeClr val="tx1"/>
+          </a:fontRef>
+        </p:style>
+      </p:cxnSp>
+      <p:sp>
+        <p:nvSpPr>
+          <p:cNvPr id="25" name="Rectangle 24"/>
+          <p:cNvSpPr/>
+          <p:nvPr/>
+        </p:nvSpPr>
+        <p:spPr>
+          <a:xfrm rot="18957795" flipH="1" flipV="1">
+            <a:off x="1759136" y="3979895"/>
+            <a:ext cx="259840" cy="249229"/>
+          </a:xfrm>
+          <a:prstGeom prst="rect">
+            <a:avLst/>
+          </a:prstGeom>
+        </p:spPr>
+        <p:style>
+          <a:lnRef idx="1">
+            <a:schemeClr val="accent1"/>
+          </a:lnRef>
+          <a:fillRef idx="3">
+            <a:schemeClr val="accent1"/>
+          </a:fillRef>
+          <a:effectRef idx="2">
+            <a:schemeClr val="accent1"/>
+          </a:effectRef>
+          <a:fontRef idx="minor">
+            <a:schemeClr val="lt1"/>
+          </a:fontRef>
+        </p:style>
+        <p:txBody>
+          <a:bodyPr rtlCol="0" anchor="ctr"/>
+          <a:lstStyle/>
+          <a:p>
+            <a:pPr algn="ctr"/>
+            <a:endParaRPr lang="en-US"/>
+          </a:p>
+        </p:txBody>
+      </p:sp>
+      <p:sp>
+        <p:nvSpPr>
+          <p:cNvPr id="26" name="Rectangle 25"/>
+          <p:cNvSpPr/>
+          <p:nvPr/>
+        </p:nvSpPr>
+        <p:spPr>
+          <a:xfrm rot="18957795" flipH="1" flipV="1">
+            <a:off x="3048539" y="2764714"/>
+            <a:ext cx="259840" cy="249229"/>
+          </a:xfrm>
+          <a:prstGeom prst="rect">
+            <a:avLst/>
+          </a:prstGeom>
+        </p:spPr>
+        <p:style>
+          <a:lnRef idx="1">
+            <a:schemeClr val="accent1"/>
+          </a:lnRef>
+          <a:fillRef idx="3">
+            <a:schemeClr val="accent1"/>
+          </a:fillRef>
+          <a:effectRef idx="2">
+            <a:schemeClr val="accent1"/>
+          </a:effectRef>
+          <a:fontRef idx="minor">
+            <a:schemeClr val="lt1"/>
+          </a:fontRef>
+        </p:style>
+        <p:txBody>
+          <a:bodyPr rtlCol="0" anchor="ctr"/>
+          <a:lstStyle/>
+          <a:p>
+            <a:pPr algn="ctr"/>
+            <a:endParaRPr lang="en-US" dirty="0"/>
+          </a:p>
+        </p:txBody>
+      </p:sp>
+      <p:sp>
+        <p:nvSpPr>
+          <p:cNvPr id="29" name="Rectangle 28"/>
+          <p:cNvSpPr/>
+          <p:nvPr/>
+        </p:nvSpPr>
+        <p:spPr>
+          <a:xfrm rot="18957795" flipH="1" flipV="1">
+            <a:off x="3048540" y="5117586"/>
+            <a:ext cx="259840" cy="249229"/>
+          </a:xfrm>
+          <a:prstGeom prst="rect">
+            <a:avLst/>
+          </a:prstGeom>
+        </p:spPr>
+        <p:style>
+          <a:lnRef idx="1">
+            <a:schemeClr val="accent1"/>
+          </a:lnRef>
+          <a:fillRef idx="3">
+            <a:schemeClr val="accent1"/>
+          </a:fillRef>
+          <a:effectRef idx="2">
+            <a:schemeClr val="accent1"/>
+          </a:effectRef>
+          <a:fontRef idx="minor">
+            <a:schemeClr val="lt1"/>
+          </a:fontRef>
+        </p:style>
+        <p:txBody>
+          <a:bodyPr rtlCol="0" anchor="ctr"/>
+          <a:lstStyle/>
+          <a:p>
+            <a:pPr algn="ctr"/>
+            <a:endParaRPr lang="en-US"/>
+          </a:p>
+        </p:txBody>
+      </p:sp>
+      <p:cxnSp>
+        <p:nvCxnSpPr>
+          <p:cNvPr id="30" name="Straight Arrow Connector 29"/>
+          <p:cNvCxnSpPr/>
+          <p:nvPr/>
+        </p:nvCxnSpPr>
+        <p:spPr>
+          <a:xfrm flipV="1">
+            <a:off x="3176563" y="4375280"/>
+            <a:ext cx="0" cy="605390"/>
+          </a:xfrm>
+          <a:prstGeom prst="straightConnector1">
+            <a:avLst/>
+          </a:prstGeom>
+          <a:ln>
+            <a:headEnd type="arrow"/>
+            <a:tailEnd type="arrow"/>
+          </a:ln>
+        </p:spPr>
+        <p:style>
+          <a:lnRef idx="2">
+            <a:schemeClr val="accent1"/>
+          </a:lnRef>
+          <a:fillRef idx="0">
+            <a:schemeClr val="accent1"/>
+          </a:fillRef>
+          <a:effectRef idx="1">
+            <a:schemeClr val="accent1"/>
+          </a:effectRef>
+          <a:fontRef idx="minor">
+            <a:schemeClr val="tx1"/>
+          </a:fontRef>
+        </p:style>
+      </p:cxnSp>
+      <p:sp>
+        <p:nvSpPr>
+          <p:cNvPr id="13" name="Oval 12"/>
+          <p:cNvSpPr/>
+          <p:nvPr/>
+        </p:nvSpPr>
+        <p:spPr>
+          <a:xfrm>
+            <a:off x="1404613" y="2428315"/>
+            <a:ext cx="3543900" cy="3352390"/>
+          </a:xfrm>
+          <a:prstGeom prst="ellipse">
+            <a:avLst/>
+          </a:prstGeom>
+          <a:noFill/>
+        </p:spPr>
+        <p:style>
+          <a:lnRef idx="1">
+            <a:schemeClr val="accent1"/>
+          </a:lnRef>
+          <a:fillRef idx="3">
+            <a:schemeClr val="accent1"/>
+          </a:fillRef>
+          <a:effectRef idx="2">
+            <a:schemeClr val="accent1"/>
+          </a:effectRef>
+          <a:fontRef idx="minor">
+            <a:schemeClr val="lt1"/>
+          </a:fontRef>
+        </p:style>
+        <p:txBody>
+          <a:bodyPr rtlCol="0" anchor="ctr"/>
+          <a:lstStyle/>
+          <a:p>
+            <a:pPr algn="ctr"/>
+            <a:endParaRPr lang="en-US"/>
+          </a:p>
+        </p:txBody>
+      </p:sp>
+      <p:sp>
+        <p:nvSpPr>
+          <p:cNvPr id="14" name="TextBox 13"/>
+          <p:cNvSpPr txBox="1"/>
+          <p:nvPr/>
+        </p:nvSpPr>
+        <p:spPr>
+          <a:xfrm>
+            <a:off x="3369397" y="2714660"/>
+            <a:ext cx="301660" cy="369332"/>
+          </a:xfrm>
+          <a:prstGeom prst="rect">
+            <a:avLst/>
+          </a:prstGeom>
+          <a:noFill/>
+        </p:spPr>
+        <p:txBody>
+          <a:bodyPr wrap="none" rtlCol="0">
+            <a:spAutoFit/>
+          </a:bodyPr>
+          <a:lstStyle/>
+          <a:p>
+            <a:r>
+              <a:rPr lang="en-US" dirty="0" smtClean="0"/>
+              <a:t>1</a:t>
+            </a:r>
+            <a:endParaRPr lang="en-US" dirty="0"/>
+          </a:p>
+        </p:txBody>
+      </p:sp>
+      <p:sp>
+        <p:nvSpPr>
+          <p:cNvPr id="31" name="TextBox 30"/>
+          <p:cNvSpPr txBox="1"/>
+          <p:nvPr/>
+        </p:nvSpPr>
+        <p:spPr>
+          <a:xfrm>
+            <a:off x="4572001" y="3958916"/>
+            <a:ext cx="301660" cy="369332"/>
+          </a:xfrm>
+          <a:prstGeom prst="rect">
+            <a:avLst/>
+          </a:prstGeom>
+          <a:noFill/>
+        </p:spPr>
+        <p:txBody>
+          <a:bodyPr wrap="none" rtlCol="0">
+            <a:spAutoFit/>
+          </a:bodyPr>
+          <a:lstStyle/>
+          <a:p>
+            <a:r>
+              <a:rPr lang="en-US" dirty="0"/>
+              <a:t>2</a:t>
+            </a:r>
+            <a:endParaRPr lang="en-US" dirty="0"/>
+          </a:p>
+        </p:txBody>
+      </p:sp>
+      <p:sp>
+        <p:nvSpPr>
+          <p:cNvPr id="32" name="TextBox 31"/>
+          <p:cNvSpPr txBox="1"/>
+          <p:nvPr/>
+        </p:nvSpPr>
+        <p:spPr>
+          <a:xfrm>
+            <a:off x="3358481" y="5062305"/>
+            <a:ext cx="301660" cy="369332"/>
+          </a:xfrm>
+          <a:prstGeom prst="rect">
+            <a:avLst/>
+          </a:prstGeom>
+          <a:noFill/>
+        </p:spPr>
+        <p:txBody>
+          <a:bodyPr wrap="none" rtlCol="0">
+            <a:spAutoFit/>
+          </a:bodyPr>
+          <a:lstStyle/>
+          <a:p>
+            <a:r>
+              <a:rPr lang="en-US" dirty="0"/>
+              <a:t>3</a:t>
+            </a:r>
+            <a:endParaRPr lang="en-US" dirty="0"/>
+          </a:p>
+        </p:txBody>
+      </p:sp>
+      <p:sp>
+        <p:nvSpPr>
+          <p:cNvPr id="33" name="TextBox 32"/>
+          <p:cNvSpPr txBox="1"/>
+          <p:nvPr/>
+        </p:nvSpPr>
+        <p:spPr>
+          <a:xfrm>
+            <a:off x="1432257" y="3915073"/>
+            <a:ext cx="301660" cy="369332"/>
+          </a:xfrm>
+          <a:prstGeom prst="rect">
+            <a:avLst/>
+          </a:prstGeom>
+          <a:noFill/>
+        </p:spPr>
+        <p:txBody>
+          <a:bodyPr wrap="none" rtlCol="0">
+            <a:spAutoFit/>
+          </a:bodyPr>
+          <a:lstStyle/>
+          <a:p>
+            <a:r>
+              <a:rPr lang="en-US" dirty="0"/>
+              <a:t>4</a:t>
+            </a:r>
+            <a:endParaRPr lang="en-US" dirty="0"/>
+          </a:p>
+        </p:txBody>
+      </p:sp>
+    </p:spTree>
+    <p:extLst>
+      <p:ext uri="{BB962C8B-B14F-4D97-AF65-F5344CB8AC3E}">
+        <p14:creationId xmlns:p14="http://schemas.microsoft.com/office/powerpoint/2010/main" val="2522333700"/>
       </p:ext>
     </p:extLst>
   </p:cSld>
